--- a/aaron_james_hypotheses_predictions.pptx
+++ b/aaron_james_hypotheses_predictions.pptx
@@ -244,7 +244,7 @@
           <a:p>
             <a:fld id="{86BF8564-EFE7-42F5-9665-B0DF2C7070A9}" type="datetimeFigureOut">
               <a:rPr lang="en-US" smtClean="0"/>
-              <a:t>11/19/20</a:t>
+              <a:t>12/2/20</a:t>
             </a:fld>
             <a:endParaRPr lang="en-US"/>
           </a:p>
@@ -412,7 +412,7 @@
           <a:p>
             <a:fld id="{86BF8564-EFE7-42F5-9665-B0DF2C7070A9}" type="datetimeFigureOut">
               <a:rPr lang="en-US" smtClean="0"/>
-              <a:t>11/19/20</a:t>
+              <a:t>12/2/20</a:t>
             </a:fld>
             <a:endParaRPr lang="en-US"/>
           </a:p>
@@ -590,7 +590,7 @@
           <a:p>
             <a:fld id="{86BF8564-EFE7-42F5-9665-B0DF2C7070A9}" type="datetimeFigureOut">
               <a:rPr lang="en-US" smtClean="0"/>
-              <a:t>11/19/20</a:t>
+              <a:t>12/2/20</a:t>
             </a:fld>
             <a:endParaRPr lang="en-US"/>
           </a:p>
@@ -758,7 +758,7 @@
           <a:p>
             <a:fld id="{86BF8564-EFE7-42F5-9665-B0DF2C7070A9}" type="datetimeFigureOut">
               <a:rPr lang="en-US" smtClean="0"/>
-              <a:t>11/19/20</a:t>
+              <a:t>12/2/20</a:t>
             </a:fld>
             <a:endParaRPr lang="en-US"/>
           </a:p>
@@ -1003,7 +1003,7 @@
           <a:p>
             <a:fld id="{86BF8564-EFE7-42F5-9665-B0DF2C7070A9}" type="datetimeFigureOut">
               <a:rPr lang="en-US" smtClean="0"/>
-              <a:t>11/19/20</a:t>
+              <a:t>12/2/20</a:t>
             </a:fld>
             <a:endParaRPr lang="en-US"/>
           </a:p>
@@ -1232,7 +1232,7 @@
           <a:p>
             <a:fld id="{86BF8564-EFE7-42F5-9665-B0DF2C7070A9}" type="datetimeFigureOut">
               <a:rPr lang="en-US" smtClean="0"/>
-              <a:t>11/19/20</a:t>
+              <a:t>12/2/20</a:t>
             </a:fld>
             <a:endParaRPr lang="en-US"/>
           </a:p>
@@ -1596,7 +1596,7 @@
           <a:p>
             <a:fld id="{86BF8564-EFE7-42F5-9665-B0DF2C7070A9}" type="datetimeFigureOut">
               <a:rPr lang="en-US" smtClean="0"/>
-              <a:t>11/19/20</a:t>
+              <a:t>12/2/20</a:t>
             </a:fld>
             <a:endParaRPr lang="en-US"/>
           </a:p>
@@ -1713,7 +1713,7 @@
           <a:p>
             <a:fld id="{86BF8564-EFE7-42F5-9665-B0DF2C7070A9}" type="datetimeFigureOut">
               <a:rPr lang="en-US" smtClean="0"/>
-              <a:t>11/19/20</a:t>
+              <a:t>12/2/20</a:t>
             </a:fld>
             <a:endParaRPr lang="en-US"/>
           </a:p>
@@ -1808,7 +1808,7 @@
           <a:p>
             <a:fld id="{86BF8564-EFE7-42F5-9665-B0DF2C7070A9}" type="datetimeFigureOut">
               <a:rPr lang="en-US" smtClean="0"/>
-              <a:t>11/19/20</a:t>
+              <a:t>12/2/20</a:t>
             </a:fld>
             <a:endParaRPr lang="en-US"/>
           </a:p>
@@ -2083,7 +2083,7 @@
           <a:p>
             <a:fld id="{86BF8564-EFE7-42F5-9665-B0DF2C7070A9}" type="datetimeFigureOut">
               <a:rPr lang="en-US" smtClean="0"/>
-              <a:t>11/19/20</a:t>
+              <a:t>12/2/20</a:t>
             </a:fld>
             <a:endParaRPr lang="en-US"/>
           </a:p>
@@ -2335,7 +2335,7 @@
           <a:p>
             <a:fld id="{86BF8564-EFE7-42F5-9665-B0DF2C7070A9}" type="datetimeFigureOut">
               <a:rPr lang="en-US" smtClean="0"/>
-              <a:t>11/19/20</a:t>
+              <a:t>12/2/20</a:t>
             </a:fld>
             <a:endParaRPr lang="en-US"/>
           </a:p>
@@ -2546,7 +2546,7 @@
           <a:p>
             <a:fld id="{86BF8564-EFE7-42F5-9665-B0DF2C7070A9}" type="datetimeFigureOut">
               <a:rPr lang="en-US" smtClean="0"/>
-              <a:t>11/19/20</a:t>
+              <a:t>12/2/20</a:t>
             </a:fld>
             <a:endParaRPr lang="en-US"/>
           </a:p>
@@ -3399,7 +3399,7 @@
         <p:spPr>
           <a:xfrm>
             <a:off x="914400" y="2036618"/>
-            <a:ext cx="9199634" cy="1754326"/>
+            <a:ext cx="9234900" cy="2308324"/>
           </a:xfrm>
           <a:prstGeom prst="rect">
             <a:avLst/>
@@ -3478,6 +3478,20 @@
               <a:rPr lang="en-US" dirty="0" err="1"/>
               <a:t>chisq</a:t>
             </a:r>
+            <a:endParaRPr lang="en-US" dirty="0"/>
+          </a:p>
+          <a:p>
+            <a:pPr marL="342900" indent="-342900">
+              <a:buFont typeface="+mj-lt"/>
+              <a:buAutoNum type="arabicPeriod"/>
+            </a:pPr>
+            <a:endParaRPr lang="en-US"/>
+          </a:p>
+          <a:p>
+            <a:pPr marL="342900" indent="-342900">
+              <a:buFont typeface="+mj-lt"/>
+              <a:buAutoNum type="arabicPeriod"/>
+            </a:pPr>
             <a:endParaRPr lang="en-US" dirty="0"/>
           </a:p>
         </p:txBody>
